--- a/diagrams/diagrams_geom_encyclopedia.pptx
+++ b/diagrams/diagrams_geom_encyclopedia.pptx
@@ -7,6 +7,7 @@
   <p:sldIdLst>
     <p:sldId id="256" r:id="rId2"/>
     <p:sldId id="257" r:id="rId3"/>
+    <p:sldId id="258" r:id="rId4"/>
   </p:sldIdLst>
   <p:sldSz cx="12192000" cy="6858000"/>
   <p:notesSz cx="6858000" cy="9144000"/>
@@ -260,7 +261,7 @@
           <a:p>
             <a:fld id="{172D4465-2916-4D7A-84A6-D514C1C5A775}" type="datetimeFigureOut">
               <a:rPr lang="en-US" smtClean="0"/>
-              <a:t>1/18/2025</a:t>
+              <a:t>9/1/2025</a:t>
             </a:fld>
             <a:endParaRPr lang="en-US"/>
           </a:p>
@@ -458,7 +459,7 @@
           <a:p>
             <a:fld id="{172D4465-2916-4D7A-84A6-D514C1C5A775}" type="datetimeFigureOut">
               <a:rPr lang="en-US" smtClean="0"/>
-              <a:t>1/18/2025</a:t>
+              <a:t>9/1/2025</a:t>
             </a:fld>
             <a:endParaRPr lang="en-US"/>
           </a:p>
@@ -666,7 +667,7 @@
           <a:p>
             <a:fld id="{172D4465-2916-4D7A-84A6-D514C1C5A775}" type="datetimeFigureOut">
               <a:rPr lang="en-US" smtClean="0"/>
-              <a:t>1/18/2025</a:t>
+              <a:t>9/1/2025</a:t>
             </a:fld>
             <a:endParaRPr lang="en-US"/>
           </a:p>
@@ -864,7 +865,7 @@
           <a:p>
             <a:fld id="{172D4465-2916-4D7A-84A6-D514C1C5A775}" type="datetimeFigureOut">
               <a:rPr lang="en-US" smtClean="0"/>
-              <a:t>1/18/2025</a:t>
+              <a:t>9/1/2025</a:t>
             </a:fld>
             <a:endParaRPr lang="en-US"/>
           </a:p>
@@ -1139,7 +1140,7 @@
           <a:p>
             <a:fld id="{172D4465-2916-4D7A-84A6-D514C1C5A775}" type="datetimeFigureOut">
               <a:rPr lang="en-US" smtClean="0"/>
-              <a:t>1/18/2025</a:t>
+              <a:t>9/1/2025</a:t>
             </a:fld>
             <a:endParaRPr lang="en-US"/>
           </a:p>
@@ -1404,7 +1405,7 @@
           <a:p>
             <a:fld id="{172D4465-2916-4D7A-84A6-D514C1C5A775}" type="datetimeFigureOut">
               <a:rPr lang="en-US" smtClean="0"/>
-              <a:t>1/18/2025</a:t>
+              <a:t>9/1/2025</a:t>
             </a:fld>
             <a:endParaRPr lang="en-US"/>
           </a:p>
@@ -1816,7 +1817,7 @@
           <a:p>
             <a:fld id="{172D4465-2916-4D7A-84A6-D514C1C5A775}" type="datetimeFigureOut">
               <a:rPr lang="en-US" smtClean="0"/>
-              <a:t>1/18/2025</a:t>
+              <a:t>9/1/2025</a:t>
             </a:fld>
             <a:endParaRPr lang="en-US"/>
           </a:p>
@@ -1957,7 +1958,7 @@
           <a:p>
             <a:fld id="{172D4465-2916-4D7A-84A6-D514C1C5A775}" type="datetimeFigureOut">
               <a:rPr lang="en-US" smtClean="0"/>
-              <a:t>1/18/2025</a:t>
+              <a:t>9/1/2025</a:t>
             </a:fld>
             <a:endParaRPr lang="en-US"/>
           </a:p>
@@ -2070,7 +2071,7 @@
           <a:p>
             <a:fld id="{172D4465-2916-4D7A-84A6-D514C1C5A775}" type="datetimeFigureOut">
               <a:rPr lang="en-US" smtClean="0"/>
-              <a:t>1/18/2025</a:t>
+              <a:t>9/1/2025</a:t>
             </a:fld>
             <a:endParaRPr lang="en-US"/>
           </a:p>
@@ -2381,7 +2382,7 @@
           <a:p>
             <a:fld id="{172D4465-2916-4D7A-84A6-D514C1C5A775}" type="datetimeFigureOut">
               <a:rPr lang="en-US" smtClean="0"/>
-              <a:t>1/18/2025</a:t>
+              <a:t>9/1/2025</a:t>
             </a:fld>
             <a:endParaRPr lang="en-US"/>
           </a:p>
@@ -2669,7 +2670,7 @@
           <a:p>
             <a:fld id="{172D4465-2916-4D7A-84A6-D514C1C5A775}" type="datetimeFigureOut">
               <a:rPr lang="en-US" smtClean="0"/>
-              <a:t>1/18/2025</a:t>
+              <a:t>9/1/2025</a:t>
             </a:fld>
             <a:endParaRPr lang="en-US"/>
           </a:p>
@@ -2910,7 +2911,7 @@
           <a:p>
             <a:fld id="{172D4465-2916-4D7A-84A6-D514C1C5A775}" type="datetimeFigureOut">
               <a:rPr lang="en-US" smtClean="0"/>
-              <a:t>1/18/2025</a:t>
+              <a:t>9/1/2025</a:t>
             </a:fld>
             <a:endParaRPr lang="en-US"/>
           </a:p>
@@ -3727,6 +3728,2067 @@
 </p:sld>
 </file>
 
+<file path=ppt/slides/slide3.xml><?xml version="1.0" encoding="utf-8"?>
+<p:sld xmlns:a="http://schemas.openxmlformats.org/drawingml/2006/main" xmlns:r="http://schemas.openxmlformats.org/officeDocument/2006/relationships" xmlns:p="http://schemas.openxmlformats.org/presentationml/2006/main">
+  <p:cSld>
+    <p:spTree>
+      <p:nvGrpSpPr>
+        <p:cNvPr id="1" name=""/>
+        <p:cNvGrpSpPr/>
+        <p:nvPr/>
+      </p:nvGrpSpPr>
+      <p:grpSpPr>
+        <a:xfrm>
+          <a:off x="0" y="0"/>
+          <a:ext cx="0" cy="0"/>
+          <a:chOff x="0" y="0"/>
+          <a:chExt cx="0" cy="0"/>
+        </a:xfrm>
+      </p:grpSpPr>
+      <p:graphicFrame>
+        <p:nvGraphicFramePr>
+          <p:cNvPr id="4" name="Table 4">
+            <a:extLst>
+              <a:ext uri="{FF2B5EF4-FFF2-40B4-BE49-F238E27FC236}">
+                <a16:creationId xmlns:a16="http://schemas.microsoft.com/office/drawing/2014/main" id="{FD9EADC6-135E-451F-86EF-53C9D066E655}"/>
+              </a:ext>
+            </a:extLst>
+          </p:cNvPr>
+          <p:cNvGraphicFramePr>
+            <a:graphicFrameLocks noGrp="1"/>
+          </p:cNvGraphicFramePr>
+          <p:nvPr>
+            <p:extLst>
+              <p:ext uri="{D42A27DB-BD31-4B8C-83A1-F6EECF244321}">
+                <p14:modId xmlns:p14="http://schemas.microsoft.com/office/powerpoint/2010/main" val="730550074"/>
+              </p:ext>
+            </p:extLst>
+          </p:nvPr>
+        </p:nvGraphicFramePr>
+        <p:xfrm>
+          <a:off x="2032000" y="719666"/>
+          <a:ext cx="8127999" cy="6045200"/>
+        </p:xfrm>
+        <a:graphic>
+          <a:graphicData uri="http://schemas.openxmlformats.org/drawingml/2006/table">
+            <a:tbl>
+              <a:tblPr firstRow="1" bandRow="1">
+                <a:tableStyleId>{5C22544A-7EE6-4342-B048-85BDC9FD1C3A}</a:tableStyleId>
+              </a:tblPr>
+              <a:tblGrid>
+                <a:gridCol w="1335668">
+                  <a:extLst>
+                    <a:ext uri="{9D8B030D-6E8A-4147-A177-3AD203B41FA5}">
+                      <a16:colId xmlns:a16="http://schemas.microsoft.com/office/drawing/2014/main" val="631752566"/>
+                    </a:ext>
+                  </a:extLst>
+                </a:gridCol>
+                <a:gridCol w="4082998">
+                  <a:extLst>
+                    <a:ext uri="{9D8B030D-6E8A-4147-A177-3AD203B41FA5}">
+                      <a16:colId xmlns:a16="http://schemas.microsoft.com/office/drawing/2014/main" val="1301700910"/>
+                    </a:ext>
+                  </a:extLst>
+                </a:gridCol>
+                <a:gridCol w="2709333">
+                  <a:extLst>
+                    <a:ext uri="{9D8B030D-6E8A-4147-A177-3AD203B41FA5}">
+                      <a16:colId xmlns:a16="http://schemas.microsoft.com/office/drawing/2014/main" val="3524028946"/>
+                    </a:ext>
+                  </a:extLst>
+                </a:gridCol>
+              </a:tblGrid>
+              <a:tr h="370840">
+                <a:tc>
+                  <a:txBody>
+                    <a:bodyPr/>
+                    <a:lstStyle/>
+                    <a:p>
+                      <a:pPr algn="ctr"/>
+                      <a:r>
+                        <a:rPr lang="en-US" sz="1200" dirty="0">
+                          <a:solidFill>
+                            <a:sysClr val="windowText" lastClr="000000"/>
+                          </a:solidFill>
+                        </a:rPr>
+                        <a:t>A</a:t>
+                      </a:r>
+                    </a:p>
+                  </a:txBody>
+                  <a:tcPr>
+                    <a:lnL w="12700" cap="flat" cmpd="sng" algn="ctr">
+                      <a:solidFill>
+                        <a:schemeClr val="tx1"/>
+                      </a:solidFill>
+                      <a:prstDash val="solid"/>
+                      <a:round/>
+                      <a:headEnd type="none" w="med" len="med"/>
+                      <a:tailEnd type="none" w="med" len="med"/>
+                    </a:lnL>
+                    <a:lnR w="12700" cap="flat" cmpd="sng" algn="ctr">
+                      <a:solidFill>
+                        <a:schemeClr val="tx1"/>
+                      </a:solidFill>
+                      <a:prstDash val="solid"/>
+                      <a:round/>
+                      <a:headEnd type="none" w="med" len="med"/>
+                      <a:tailEnd type="none" w="med" len="med"/>
+                    </a:lnR>
+                    <a:lnT w="12700" cap="flat" cmpd="sng" algn="ctr">
+                      <a:solidFill>
+                        <a:schemeClr val="tx1"/>
+                      </a:solidFill>
+                      <a:prstDash val="solid"/>
+                      <a:round/>
+                      <a:headEnd type="none" w="med" len="med"/>
+                      <a:tailEnd type="none" w="med" len="med"/>
+                    </a:lnT>
+                    <a:lnB w="12700" cap="flat" cmpd="sng" algn="ctr">
+                      <a:solidFill>
+                        <a:schemeClr val="tx1"/>
+                      </a:solidFill>
+                      <a:prstDash val="solid"/>
+                      <a:round/>
+                      <a:headEnd type="none" w="med" len="med"/>
+                      <a:tailEnd type="none" w="med" len="med"/>
+                    </a:lnB>
+                    <a:lnTlToBr w="12700" cmpd="sng">
+                      <a:noFill/>
+                      <a:prstDash val="solid"/>
+                    </a:lnTlToBr>
+                    <a:lnBlToTr w="12700" cmpd="sng">
+                      <a:noFill/>
+                      <a:prstDash val="solid"/>
+                    </a:lnBlToTr>
+                    <a:noFill/>
+                  </a:tcPr>
+                </a:tc>
+                <a:tc>
+                  <a:txBody>
+                    <a:bodyPr/>
+                    <a:lstStyle/>
+                    <a:p>
+                      <a:r>
+                        <a:rPr lang="en-US" dirty="0">
+                          <a:solidFill>
+                            <a:sysClr val="windowText" lastClr="000000"/>
+                          </a:solidFill>
+                        </a:rPr>
+                        <a:t>use individual data points as it is</a:t>
+                      </a:r>
+                    </a:p>
+                  </a:txBody>
+                  <a:tcPr>
+                    <a:lnL w="12700" cap="flat" cmpd="sng" algn="ctr">
+                      <a:solidFill>
+                        <a:schemeClr val="tx1"/>
+                      </a:solidFill>
+                      <a:prstDash val="solid"/>
+                      <a:round/>
+                      <a:headEnd type="none" w="med" len="med"/>
+                      <a:tailEnd type="none" w="med" len="med"/>
+                    </a:lnL>
+                    <a:lnR w="12700" cap="flat" cmpd="sng" algn="ctr">
+                      <a:solidFill>
+                        <a:schemeClr val="tx1"/>
+                      </a:solidFill>
+                      <a:prstDash val="solid"/>
+                      <a:round/>
+                      <a:headEnd type="none" w="med" len="med"/>
+                      <a:tailEnd type="none" w="med" len="med"/>
+                    </a:lnR>
+                    <a:lnT w="12700" cap="flat" cmpd="sng" algn="ctr">
+                      <a:solidFill>
+                        <a:schemeClr val="tx1"/>
+                      </a:solidFill>
+                      <a:prstDash val="solid"/>
+                      <a:round/>
+                      <a:headEnd type="none" w="med" len="med"/>
+                      <a:tailEnd type="none" w="med" len="med"/>
+                    </a:lnT>
+                    <a:lnB w="12700" cap="flat" cmpd="sng" algn="ctr">
+                      <a:solidFill>
+                        <a:schemeClr val="tx1"/>
+                      </a:solidFill>
+                      <a:prstDash val="solid"/>
+                      <a:round/>
+                      <a:headEnd type="none" w="med" len="med"/>
+                      <a:tailEnd type="none" w="med" len="med"/>
+                    </a:lnB>
+                    <a:lnTlToBr w="12700" cmpd="sng">
+                      <a:noFill/>
+                      <a:prstDash val="solid"/>
+                    </a:lnTlToBr>
+                    <a:lnBlToTr w="12700" cmpd="sng">
+                      <a:noFill/>
+                      <a:prstDash val="solid"/>
+                    </a:lnBlToTr>
+                    <a:noFill/>
+                  </a:tcPr>
+                </a:tc>
+                <a:tc>
+                  <a:txBody>
+                    <a:bodyPr/>
+                    <a:lstStyle/>
+                    <a:p>
+                      <a:r>
+                        <a:rPr lang="en-US" dirty="0">
+                          <a:solidFill>
+                            <a:sysClr val="windowText" lastClr="000000"/>
+                          </a:solidFill>
+                        </a:rPr>
+                        <a:t> visualize through point</a:t>
+                      </a:r>
+                    </a:p>
+                  </a:txBody>
+                  <a:tcPr>
+                    <a:lnL w="12700" cap="flat" cmpd="sng" algn="ctr">
+                      <a:solidFill>
+                        <a:schemeClr val="tx1"/>
+                      </a:solidFill>
+                      <a:prstDash val="solid"/>
+                      <a:round/>
+                      <a:headEnd type="none" w="med" len="med"/>
+                      <a:tailEnd type="none" w="med" len="med"/>
+                    </a:lnL>
+                    <a:lnR w="12700" cap="flat" cmpd="sng" algn="ctr">
+                      <a:solidFill>
+                        <a:schemeClr val="tx1"/>
+                      </a:solidFill>
+                      <a:prstDash val="solid"/>
+                      <a:round/>
+                      <a:headEnd type="none" w="med" len="med"/>
+                      <a:tailEnd type="none" w="med" len="med"/>
+                    </a:lnR>
+                    <a:lnT w="12700" cap="flat" cmpd="sng" algn="ctr">
+                      <a:solidFill>
+                        <a:schemeClr val="tx1"/>
+                      </a:solidFill>
+                      <a:prstDash val="solid"/>
+                      <a:round/>
+                      <a:headEnd type="none" w="med" len="med"/>
+                      <a:tailEnd type="none" w="med" len="med"/>
+                    </a:lnT>
+                    <a:lnB w="12700" cap="flat" cmpd="sng" algn="ctr">
+                      <a:solidFill>
+                        <a:schemeClr val="tx1"/>
+                      </a:solidFill>
+                      <a:prstDash val="solid"/>
+                      <a:round/>
+                      <a:headEnd type="none" w="med" len="med"/>
+                      <a:tailEnd type="none" w="med" len="med"/>
+                    </a:lnB>
+                    <a:lnTlToBr w="12700" cmpd="sng">
+                      <a:noFill/>
+                      <a:prstDash val="solid"/>
+                    </a:lnTlToBr>
+                    <a:lnBlToTr w="12700" cmpd="sng">
+                      <a:noFill/>
+                      <a:prstDash val="solid"/>
+                    </a:lnBlToTr>
+                    <a:noFill/>
+                  </a:tcPr>
+                </a:tc>
+                <a:extLst>
+                  <a:ext uri="{0D108BD9-81ED-4DB2-BD59-A6C34878D82A}">
+                    <a16:rowId xmlns:a16="http://schemas.microsoft.com/office/drawing/2014/main" val="3342168249"/>
+                  </a:ext>
+                </a:extLst>
+              </a:tr>
+              <a:tr h="370840">
+                <a:tc>
+                  <a:txBody>
+                    <a:bodyPr/>
+                    <a:lstStyle/>
+                    <a:p>
+                      <a:pPr algn="ctr"/>
+                      <a:r>
+                        <a:rPr lang="en-US" sz="1200" dirty="0">
+                          <a:solidFill>
+                            <a:sysClr val="windowText" lastClr="000000"/>
+                          </a:solidFill>
+                        </a:rPr>
+                        <a:t>B</a:t>
+                      </a:r>
+                    </a:p>
+                    <a:p>
+                      <a:pPr algn="ctr"/>
+                      <a:endParaRPr lang="en-US" sz="1200" dirty="0">
+                        <a:solidFill>
+                          <a:sysClr val="windowText" lastClr="000000"/>
+                        </a:solidFill>
+                      </a:endParaRPr>
+                    </a:p>
+                    <a:p>
+                      <a:pPr algn="ctr"/>
+                      <a:endParaRPr lang="en-US" sz="1200" dirty="0">
+                        <a:solidFill>
+                          <a:sysClr val="windowText" lastClr="000000"/>
+                        </a:solidFill>
+                      </a:endParaRPr>
+                    </a:p>
+                  </a:txBody>
+                  <a:tcPr>
+                    <a:lnL w="12700" cap="flat" cmpd="sng" algn="ctr">
+                      <a:solidFill>
+                        <a:schemeClr val="tx1"/>
+                      </a:solidFill>
+                      <a:prstDash val="solid"/>
+                      <a:round/>
+                      <a:headEnd type="none" w="med" len="med"/>
+                      <a:tailEnd type="none" w="med" len="med"/>
+                    </a:lnL>
+                    <a:lnR w="12700" cap="flat" cmpd="sng" algn="ctr">
+                      <a:solidFill>
+                        <a:schemeClr val="tx1"/>
+                      </a:solidFill>
+                      <a:prstDash val="solid"/>
+                      <a:round/>
+                      <a:headEnd type="none" w="med" len="med"/>
+                      <a:tailEnd type="none" w="med" len="med"/>
+                    </a:lnR>
+                    <a:lnT w="12700" cap="flat" cmpd="sng" algn="ctr">
+                      <a:solidFill>
+                        <a:schemeClr val="tx1"/>
+                      </a:solidFill>
+                      <a:prstDash val="solid"/>
+                      <a:round/>
+                      <a:headEnd type="none" w="med" len="med"/>
+                      <a:tailEnd type="none" w="med" len="med"/>
+                    </a:lnT>
+                    <a:lnB w="12700" cap="flat" cmpd="sng" algn="ctr">
+                      <a:solidFill>
+                        <a:schemeClr val="tx1"/>
+                      </a:solidFill>
+                      <a:prstDash val="solid"/>
+                      <a:round/>
+                      <a:headEnd type="none" w="med" len="med"/>
+                      <a:tailEnd type="none" w="med" len="med"/>
+                    </a:lnB>
+                    <a:lnTlToBr w="12700" cmpd="sng">
+                      <a:noFill/>
+                      <a:prstDash val="solid"/>
+                    </a:lnTlToBr>
+                    <a:lnBlToTr w="12700" cmpd="sng">
+                      <a:noFill/>
+                      <a:prstDash val="solid"/>
+                    </a:lnBlToTr>
+                    <a:noFill/>
+                  </a:tcPr>
+                </a:tc>
+                <a:tc>
+                  <a:txBody>
+                    <a:bodyPr/>
+                    <a:lstStyle/>
+                    <a:p>
+                      <a:pPr marL="0" marR="0" lvl="0" indent="0" algn="l" defTabSz="914400" rtl="0" eaLnBrk="1" fontAlgn="auto" latinLnBrk="0" hangingPunct="1">
+                        <a:lnSpc>
+                          <a:spcPct val="100000"/>
+                        </a:lnSpc>
+                        <a:spcBef>
+                          <a:spcPts val="0"/>
+                        </a:spcBef>
+                        <a:spcAft>
+                          <a:spcPts val="0"/>
+                        </a:spcAft>
+                        <a:buClrTx/>
+                        <a:buSzTx/>
+                        <a:buFontTx/>
+                        <a:buNone/>
+                        <a:tabLst/>
+                        <a:defRPr/>
+                      </a:pPr>
+                      <a:r>
+                        <a:rPr lang="en-US" dirty="0">
+                          <a:solidFill>
+                            <a:sysClr val="windowText" lastClr="000000"/>
+                          </a:solidFill>
+                        </a:rPr>
+                        <a:t>use individual data points as it is</a:t>
+                      </a:r>
+                    </a:p>
+                    <a:p>
+                      <a:endParaRPr lang="en-US" dirty="0">
+                        <a:solidFill>
+                          <a:sysClr val="windowText" lastClr="000000"/>
+                        </a:solidFill>
+                      </a:endParaRPr>
+                    </a:p>
+                  </a:txBody>
+                  <a:tcPr>
+                    <a:lnL w="12700" cap="flat" cmpd="sng" algn="ctr">
+                      <a:solidFill>
+                        <a:schemeClr val="tx1"/>
+                      </a:solidFill>
+                      <a:prstDash val="solid"/>
+                      <a:round/>
+                      <a:headEnd type="none" w="med" len="med"/>
+                      <a:tailEnd type="none" w="med" len="med"/>
+                    </a:lnL>
+                    <a:lnR w="12700" cap="flat" cmpd="sng" algn="ctr">
+                      <a:solidFill>
+                        <a:schemeClr val="tx1"/>
+                      </a:solidFill>
+                      <a:prstDash val="solid"/>
+                      <a:round/>
+                      <a:headEnd type="none" w="med" len="med"/>
+                      <a:tailEnd type="none" w="med" len="med"/>
+                    </a:lnR>
+                    <a:lnT w="12700" cap="flat" cmpd="sng" algn="ctr">
+                      <a:solidFill>
+                        <a:schemeClr val="tx1"/>
+                      </a:solidFill>
+                      <a:prstDash val="solid"/>
+                      <a:round/>
+                      <a:headEnd type="none" w="med" len="med"/>
+                      <a:tailEnd type="none" w="med" len="med"/>
+                    </a:lnT>
+                    <a:lnB w="12700" cap="flat" cmpd="sng" algn="ctr">
+                      <a:solidFill>
+                        <a:schemeClr val="tx1"/>
+                      </a:solidFill>
+                      <a:prstDash val="solid"/>
+                      <a:round/>
+                      <a:headEnd type="none" w="med" len="med"/>
+                      <a:tailEnd type="none" w="med" len="med"/>
+                    </a:lnB>
+                    <a:lnTlToBr w="12700" cmpd="sng">
+                      <a:noFill/>
+                      <a:prstDash val="solid"/>
+                    </a:lnTlToBr>
+                    <a:lnBlToTr w="12700" cmpd="sng">
+                      <a:noFill/>
+                      <a:prstDash val="solid"/>
+                    </a:lnBlToTr>
+                    <a:noFill/>
+                  </a:tcPr>
+                </a:tc>
+                <a:tc>
+                  <a:txBody>
+                    <a:bodyPr/>
+                    <a:lstStyle/>
+                    <a:p>
+                      <a:r>
+                        <a:rPr lang="en-US" dirty="0">
+                          <a:solidFill>
+                            <a:sysClr val="windowText" lastClr="000000"/>
+                          </a:solidFill>
+                        </a:rPr>
+                        <a:t>visualize through </a:t>
+                      </a:r>
+                      <a:r>
+                        <a:rPr lang="en-US" dirty="0" err="1">
+                          <a:solidFill>
+                            <a:sysClr val="windowText" lastClr="000000"/>
+                          </a:solidFill>
+                        </a:rPr>
+                        <a:t>quasirandom</a:t>
+                      </a:r>
+                      <a:endParaRPr lang="en-US" dirty="0">
+                        <a:solidFill>
+                          <a:sysClr val="windowText" lastClr="000000"/>
+                        </a:solidFill>
+                      </a:endParaRPr>
+                    </a:p>
+                  </a:txBody>
+                  <a:tcPr>
+                    <a:lnL w="12700" cap="flat" cmpd="sng" algn="ctr">
+                      <a:solidFill>
+                        <a:schemeClr val="tx1"/>
+                      </a:solidFill>
+                      <a:prstDash val="solid"/>
+                      <a:round/>
+                      <a:headEnd type="none" w="med" len="med"/>
+                      <a:tailEnd type="none" w="med" len="med"/>
+                    </a:lnL>
+                    <a:lnR w="12700" cap="flat" cmpd="sng" algn="ctr">
+                      <a:solidFill>
+                        <a:schemeClr val="tx1"/>
+                      </a:solidFill>
+                      <a:prstDash val="solid"/>
+                      <a:round/>
+                      <a:headEnd type="none" w="med" len="med"/>
+                      <a:tailEnd type="none" w="med" len="med"/>
+                    </a:lnR>
+                    <a:lnT w="12700" cap="flat" cmpd="sng" algn="ctr">
+                      <a:solidFill>
+                        <a:schemeClr val="tx1"/>
+                      </a:solidFill>
+                      <a:prstDash val="solid"/>
+                      <a:round/>
+                      <a:headEnd type="none" w="med" len="med"/>
+                      <a:tailEnd type="none" w="med" len="med"/>
+                    </a:lnT>
+                    <a:lnB w="12700" cap="flat" cmpd="sng" algn="ctr">
+                      <a:solidFill>
+                        <a:schemeClr val="tx1"/>
+                      </a:solidFill>
+                      <a:prstDash val="solid"/>
+                      <a:round/>
+                      <a:headEnd type="none" w="med" len="med"/>
+                      <a:tailEnd type="none" w="med" len="med"/>
+                    </a:lnB>
+                    <a:lnTlToBr w="12700" cmpd="sng">
+                      <a:noFill/>
+                      <a:prstDash val="solid"/>
+                    </a:lnTlToBr>
+                    <a:lnBlToTr w="12700" cmpd="sng">
+                      <a:noFill/>
+                      <a:prstDash val="solid"/>
+                    </a:lnBlToTr>
+                    <a:noFill/>
+                  </a:tcPr>
+                </a:tc>
+                <a:extLst>
+                  <a:ext uri="{0D108BD9-81ED-4DB2-BD59-A6C34878D82A}">
+                    <a16:rowId xmlns:a16="http://schemas.microsoft.com/office/drawing/2014/main" val="3779526189"/>
+                  </a:ext>
+                </a:extLst>
+              </a:tr>
+              <a:tr h="370840">
+                <a:tc>
+                  <a:txBody>
+                    <a:bodyPr/>
+                    <a:lstStyle/>
+                    <a:p>
+                      <a:pPr algn="ctr"/>
+                      <a:r>
+                        <a:rPr lang="en-US" sz="1200" dirty="0">
+                          <a:solidFill>
+                            <a:sysClr val="windowText" lastClr="000000"/>
+                          </a:solidFill>
+                        </a:rPr>
+                        <a:t>c</a:t>
+                      </a:r>
+                    </a:p>
+                  </a:txBody>
+                  <a:tcPr>
+                    <a:lnL w="12700" cap="flat" cmpd="sng" algn="ctr">
+                      <a:solidFill>
+                        <a:schemeClr val="tx1"/>
+                      </a:solidFill>
+                      <a:prstDash val="solid"/>
+                      <a:round/>
+                      <a:headEnd type="none" w="med" len="med"/>
+                      <a:tailEnd type="none" w="med" len="med"/>
+                    </a:lnL>
+                    <a:lnR w="12700" cap="flat" cmpd="sng" algn="ctr">
+                      <a:solidFill>
+                        <a:schemeClr val="tx1"/>
+                      </a:solidFill>
+                      <a:prstDash val="solid"/>
+                      <a:round/>
+                      <a:headEnd type="none" w="med" len="med"/>
+                      <a:tailEnd type="none" w="med" len="med"/>
+                    </a:lnR>
+                    <a:lnT w="12700" cap="flat" cmpd="sng" algn="ctr">
+                      <a:solidFill>
+                        <a:schemeClr val="tx1"/>
+                      </a:solidFill>
+                      <a:prstDash val="solid"/>
+                      <a:round/>
+                      <a:headEnd type="none" w="med" len="med"/>
+                      <a:tailEnd type="none" w="med" len="med"/>
+                    </a:lnT>
+                    <a:lnB w="12700" cap="flat" cmpd="sng" algn="ctr">
+                      <a:solidFill>
+                        <a:schemeClr val="tx1"/>
+                      </a:solidFill>
+                      <a:prstDash val="solid"/>
+                      <a:round/>
+                      <a:headEnd type="none" w="med" len="med"/>
+                      <a:tailEnd type="none" w="med" len="med"/>
+                    </a:lnB>
+                    <a:lnTlToBr w="12700" cmpd="sng">
+                      <a:noFill/>
+                      <a:prstDash val="solid"/>
+                    </a:lnTlToBr>
+                    <a:lnBlToTr w="12700" cmpd="sng">
+                      <a:noFill/>
+                      <a:prstDash val="solid"/>
+                    </a:lnBlToTr>
+                    <a:noFill/>
+                  </a:tcPr>
+                </a:tc>
+                <a:tc>
+                  <a:txBody>
+                    <a:bodyPr/>
+                    <a:lstStyle/>
+                    <a:p>
+                      <a:pPr marL="0" marR="0" lvl="0" indent="0" algn="l" defTabSz="914400" rtl="0" eaLnBrk="1" fontAlgn="auto" latinLnBrk="0" hangingPunct="1">
+                        <a:lnSpc>
+                          <a:spcPct val="100000"/>
+                        </a:lnSpc>
+                        <a:spcBef>
+                          <a:spcPts val="0"/>
+                        </a:spcBef>
+                        <a:spcAft>
+                          <a:spcPts val="0"/>
+                        </a:spcAft>
+                        <a:buClrTx/>
+                        <a:buSzTx/>
+                        <a:buFontTx/>
+                        <a:buNone/>
+                        <a:tabLst/>
+                        <a:defRPr/>
+                      </a:pPr>
+                      <a:r>
+                        <a:rPr lang="en-US" dirty="0">
+                          <a:solidFill>
+                            <a:sysClr val="windowText" lastClr="000000"/>
+                          </a:solidFill>
+                        </a:rPr>
+                        <a:t>use individual data points as it is</a:t>
+                      </a:r>
+                    </a:p>
+                    <a:p>
+                      <a:endParaRPr lang="en-US" dirty="0">
+                        <a:solidFill>
+                          <a:sysClr val="windowText" lastClr="000000"/>
+                        </a:solidFill>
+                      </a:endParaRPr>
+                    </a:p>
+                  </a:txBody>
+                  <a:tcPr>
+                    <a:lnL w="12700" cap="flat" cmpd="sng" algn="ctr">
+                      <a:solidFill>
+                        <a:schemeClr val="tx1"/>
+                      </a:solidFill>
+                      <a:prstDash val="solid"/>
+                      <a:round/>
+                      <a:headEnd type="none" w="med" len="med"/>
+                      <a:tailEnd type="none" w="med" len="med"/>
+                    </a:lnL>
+                    <a:lnR w="12700" cap="flat" cmpd="sng" algn="ctr">
+                      <a:solidFill>
+                        <a:schemeClr val="tx1"/>
+                      </a:solidFill>
+                      <a:prstDash val="solid"/>
+                      <a:round/>
+                      <a:headEnd type="none" w="med" len="med"/>
+                      <a:tailEnd type="none" w="med" len="med"/>
+                    </a:lnR>
+                    <a:lnT w="12700" cap="flat" cmpd="sng" algn="ctr">
+                      <a:solidFill>
+                        <a:schemeClr val="tx1"/>
+                      </a:solidFill>
+                      <a:prstDash val="solid"/>
+                      <a:round/>
+                      <a:headEnd type="none" w="med" len="med"/>
+                      <a:tailEnd type="none" w="med" len="med"/>
+                    </a:lnT>
+                    <a:lnB w="12700" cap="flat" cmpd="sng" algn="ctr">
+                      <a:solidFill>
+                        <a:schemeClr val="tx1"/>
+                      </a:solidFill>
+                      <a:prstDash val="solid"/>
+                      <a:round/>
+                      <a:headEnd type="none" w="med" len="med"/>
+                      <a:tailEnd type="none" w="med" len="med"/>
+                    </a:lnB>
+                    <a:lnTlToBr w="12700" cmpd="sng">
+                      <a:noFill/>
+                      <a:prstDash val="solid"/>
+                    </a:lnTlToBr>
+                    <a:lnBlToTr w="12700" cmpd="sng">
+                      <a:noFill/>
+                      <a:prstDash val="solid"/>
+                    </a:lnBlToTr>
+                    <a:noFill/>
+                  </a:tcPr>
+                </a:tc>
+                <a:tc>
+                  <a:txBody>
+                    <a:bodyPr/>
+                    <a:lstStyle/>
+                    <a:p>
+                      <a:pPr marL="0" marR="0" lvl="0" indent="0" algn="l" defTabSz="914400" rtl="0" eaLnBrk="1" fontAlgn="auto" latinLnBrk="0" hangingPunct="1">
+                        <a:lnSpc>
+                          <a:spcPct val="100000"/>
+                        </a:lnSpc>
+                        <a:spcBef>
+                          <a:spcPts val="0"/>
+                        </a:spcBef>
+                        <a:spcAft>
+                          <a:spcPts val="0"/>
+                        </a:spcAft>
+                        <a:buClrTx/>
+                        <a:buSzTx/>
+                        <a:buFontTx/>
+                        <a:buNone/>
+                        <a:tabLst/>
+                        <a:defRPr/>
+                      </a:pPr>
+                      <a:r>
+                        <a:rPr lang="en-US" dirty="0">
+                          <a:solidFill>
+                            <a:sysClr val="windowText" lastClr="000000"/>
+                          </a:solidFill>
+                        </a:rPr>
+                        <a:t>visualize through jitter</a:t>
+                      </a:r>
+                    </a:p>
+                    <a:p>
+                      <a:endParaRPr lang="en-US" dirty="0">
+                        <a:solidFill>
+                          <a:sysClr val="windowText" lastClr="000000"/>
+                        </a:solidFill>
+                      </a:endParaRPr>
+                    </a:p>
+                  </a:txBody>
+                  <a:tcPr>
+                    <a:lnL w="12700" cap="flat" cmpd="sng" algn="ctr">
+                      <a:solidFill>
+                        <a:schemeClr val="tx1"/>
+                      </a:solidFill>
+                      <a:prstDash val="solid"/>
+                      <a:round/>
+                      <a:headEnd type="none" w="med" len="med"/>
+                      <a:tailEnd type="none" w="med" len="med"/>
+                    </a:lnL>
+                    <a:lnR w="12700" cap="flat" cmpd="sng" algn="ctr">
+                      <a:solidFill>
+                        <a:schemeClr val="tx1"/>
+                      </a:solidFill>
+                      <a:prstDash val="solid"/>
+                      <a:round/>
+                      <a:headEnd type="none" w="med" len="med"/>
+                      <a:tailEnd type="none" w="med" len="med"/>
+                    </a:lnR>
+                    <a:lnT w="12700" cap="flat" cmpd="sng" algn="ctr">
+                      <a:solidFill>
+                        <a:schemeClr val="tx1"/>
+                      </a:solidFill>
+                      <a:prstDash val="solid"/>
+                      <a:round/>
+                      <a:headEnd type="none" w="med" len="med"/>
+                      <a:tailEnd type="none" w="med" len="med"/>
+                    </a:lnT>
+                    <a:lnB w="12700" cap="flat" cmpd="sng" algn="ctr">
+                      <a:solidFill>
+                        <a:schemeClr val="tx1"/>
+                      </a:solidFill>
+                      <a:prstDash val="solid"/>
+                      <a:round/>
+                      <a:headEnd type="none" w="med" len="med"/>
+                      <a:tailEnd type="none" w="med" len="med"/>
+                    </a:lnB>
+                    <a:lnTlToBr w="12700" cmpd="sng">
+                      <a:noFill/>
+                      <a:prstDash val="solid"/>
+                    </a:lnTlToBr>
+                    <a:lnBlToTr w="12700" cmpd="sng">
+                      <a:noFill/>
+                      <a:prstDash val="solid"/>
+                    </a:lnBlToTr>
+                    <a:noFill/>
+                  </a:tcPr>
+                </a:tc>
+                <a:extLst>
+                  <a:ext uri="{0D108BD9-81ED-4DB2-BD59-A6C34878D82A}">
+                    <a16:rowId xmlns:a16="http://schemas.microsoft.com/office/drawing/2014/main" val="1424477528"/>
+                  </a:ext>
+                </a:extLst>
+              </a:tr>
+              <a:tr h="370840">
+                <a:tc>
+                  <a:txBody>
+                    <a:bodyPr/>
+                    <a:lstStyle/>
+                    <a:p>
+                      <a:pPr algn="ctr"/>
+                      <a:r>
+                        <a:rPr lang="en-US" sz="1200" dirty="0">
+                          <a:solidFill>
+                            <a:sysClr val="windowText" lastClr="000000"/>
+                          </a:solidFill>
+                        </a:rPr>
+                        <a:t>D</a:t>
+                      </a:r>
+                    </a:p>
+                  </a:txBody>
+                  <a:tcPr>
+                    <a:lnL w="12700" cap="flat" cmpd="sng" algn="ctr">
+                      <a:solidFill>
+                        <a:schemeClr val="tx1"/>
+                      </a:solidFill>
+                      <a:prstDash val="solid"/>
+                      <a:round/>
+                      <a:headEnd type="none" w="med" len="med"/>
+                      <a:tailEnd type="none" w="med" len="med"/>
+                    </a:lnL>
+                    <a:lnR w="12700" cap="flat" cmpd="sng" algn="ctr">
+                      <a:solidFill>
+                        <a:schemeClr val="tx1"/>
+                      </a:solidFill>
+                      <a:prstDash val="solid"/>
+                      <a:round/>
+                      <a:headEnd type="none" w="med" len="med"/>
+                      <a:tailEnd type="none" w="med" len="med"/>
+                    </a:lnR>
+                    <a:lnT w="12700" cap="flat" cmpd="sng" algn="ctr">
+                      <a:solidFill>
+                        <a:schemeClr val="tx1"/>
+                      </a:solidFill>
+                      <a:prstDash val="solid"/>
+                      <a:round/>
+                      <a:headEnd type="none" w="med" len="med"/>
+                      <a:tailEnd type="none" w="med" len="med"/>
+                    </a:lnT>
+                    <a:lnB w="12700" cap="flat" cmpd="sng" algn="ctr">
+                      <a:solidFill>
+                        <a:schemeClr val="tx1"/>
+                      </a:solidFill>
+                      <a:prstDash val="solid"/>
+                      <a:round/>
+                      <a:headEnd type="none" w="med" len="med"/>
+                      <a:tailEnd type="none" w="med" len="med"/>
+                    </a:lnB>
+                    <a:lnTlToBr w="12700" cmpd="sng">
+                      <a:noFill/>
+                      <a:prstDash val="solid"/>
+                    </a:lnTlToBr>
+                    <a:lnBlToTr w="12700" cmpd="sng">
+                      <a:noFill/>
+                      <a:prstDash val="solid"/>
+                    </a:lnBlToTr>
+                    <a:noFill/>
+                  </a:tcPr>
+                </a:tc>
+                <a:tc>
+                  <a:txBody>
+                    <a:bodyPr/>
+                    <a:lstStyle/>
+                    <a:p>
+                      <a:r>
+                        <a:rPr lang="en-US" dirty="0">
+                          <a:solidFill>
+                            <a:sysClr val="windowText" lastClr="000000"/>
+                          </a:solidFill>
+                        </a:rPr>
+                        <a:t>Compute quartiles andQ1-3IQR and Q3+3IQR</a:t>
+                      </a:r>
+                    </a:p>
+                  </a:txBody>
+                  <a:tcPr>
+                    <a:lnL w="12700" cap="flat" cmpd="sng" algn="ctr">
+                      <a:solidFill>
+                        <a:schemeClr val="tx1"/>
+                      </a:solidFill>
+                      <a:prstDash val="solid"/>
+                      <a:round/>
+                      <a:headEnd type="none" w="med" len="med"/>
+                      <a:tailEnd type="none" w="med" len="med"/>
+                    </a:lnL>
+                    <a:lnR w="12700" cap="flat" cmpd="sng" algn="ctr">
+                      <a:solidFill>
+                        <a:schemeClr val="tx1"/>
+                      </a:solidFill>
+                      <a:prstDash val="solid"/>
+                      <a:round/>
+                      <a:headEnd type="none" w="med" len="med"/>
+                      <a:tailEnd type="none" w="med" len="med"/>
+                    </a:lnR>
+                    <a:lnT w="12700" cap="flat" cmpd="sng" algn="ctr">
+                      <a:solidFill>
+                        <a:schemeClr val="tx1"/>
+                      </a:solidFill>
+                      <a:prstDash val="solid"/>
+                      <a:round/>
+                      <a:headEnd type="none" w="med" len="med"/>
+                      <a:tailEnd type="none" w="med" len="med"/>
+                    </a:lnT>
+                    <a:lnB w="12700" cap="flat" cmpd="sng" algn="ctr">
+                      <a:solidFill>
+                        <a:schemeClr val="tx1"/>
+                      </a:solidFill>
+                      <a:prstDash val="solid"/>
+                      <a:round/>
+                      <a:headEnd type="none" w="med" len="med"/>
+                      <a:tailEnd type="none" w="med" len="med"/>
+                    </a:lnB>
+                    <a:lnTlToBr w="12700" cmpd="sng">
+                      <a:noFill/>
+                      <a:prstDash val="solid"/>
+                    </a:lnTlToBr>
+                    <a:lnBlToTr w="12700" cmpd="sng">
+                      <a:noFill/>
+                      <a:prstDash val="solid"/>
+                    </a:lnBlToTr>
+                    <a:noFill/>
+                  </a:tcPr>
+                </a:tc>
+                <a:tc>
+                  <a:txBody>
+                    <a:bodyPr/>
+                    <a:lstStyle/>
+                    <a:p>
+                      <a:r>
+                        <a:rPr lang="en-US" dirty="0">
+                          <a:solidFill>
+                            <a:sysClr val="windowText" lastClr="000000"/>
+                          </a:solidFill>
+                        </a:rPr>
+                        <a:t>Visualize through box and whisker plot </a:t>
+                      </a:r>
+                    </a:p>
+                  </a:txBody>
+                  <a:tcPr>
+                    <a:lnL w="12700" cap="flat" cmpd="sng" algn="ctr">
+                      <a:solidFill>
+                        <a:schemeClr val="tx1"/>
+                      </a:solidFill>
+                      <a:prstDash val="solid"/>
+                      <a:round/>
+                      <a:headEnd type="none" w="med" len="med"/>
+                      <a:tailEnd type="none" w="med" len="med"/>
+                    </a:lnL>
+                    <a:lnR w="12700" cap="flat" cmpd="sng" algn="ctr">
+                      <a:solidFill>
+                        <a:schemeClr val="tx1"/>
+                      </a:solidFill>
+                      <a:prstDash val="solid"/>
+                      <a:round/>
+                      <a:headEnd type="none" w="med" len="med"/>
+                      <a:tailEnd type="none" w="med" len="med"/>
+                    </a:lnR>
+                    <a:lnT w="12700" cap="flat" cmpd="sng" algn="ctr">
+                      <a:solidFill>
+                        <a:schemeClr val="tx1"/>
+                      </a:solidFill>
+                      <a:prstDash val="solid"/>
+                      <a:round/>
+                      <a:headEnd type="none" w="med" len="med"/>
+                      <a:tailEnd type="none" w="med" len="med"/>
+                    </a:lnT>
+                    <a:lnB w="12700" cap="flat" cmpd="sng" algn="ctr">
+                      <a:solidFill>
+                        <a:schemeClr val="tx1"/>
+                      </a:solidFill>
+                      <a:prstDash val="solid"/>
+                      <a:round/>
+                      <a:headEnd type="none" w="med" len="med"/>
+                      <a:tailEnd type="none" w="med" len="med"/>
+                    </a:lnB>
+                    <a:lnTlToBr w="12700" cmpd="sng">
+                      <a:noFill/>
+                      <a:prstDash val="solid"/>
+                    </a:lnTlToBr>
+                    <a:lnBlToTr w="12700" cmpd="sng">
+                      <a:noFill/>
+                      <a:prstDash val="solid"/>
+                    </a:lnBlToTr>
+                    <a:noFill/>
+                  </a:tcPr>
+                </a:tc>
+                <a:extLst>
+                  <a:ext uri="{0D108BD9-81ED-4DB2-BD59-A6C34878D82A}">
+                    <a16:rowId xmlns:a16="http://schemas.microsoft.com/office/drawing/2014/main" val="2750742307"/>
+                  </a:ext>
+                </a:extLst>
+              </a:tr>
+              <a:tr h="370840">
+                <a:tc rowSpan="2">
+                  <a:txBody>
+                    <a:bodyPr/>
+                    <a:lstStyle/>
+                    <a:p>
+                      <a:pPr algn="ctr"/>
+                      <a:r>
+                        <a:rPr lang="en-US" sz="1200" dirty="0">
+                          <a:solidFill>
+                            <a:sysClr val="windowText" lastClr="000000"/>
+                          </a:solidFill>
+                        </a:rPr>
+                        <a:t>E</a:t>
+                      </a:r>
+                    </a:p>
+                  </a:txBody>
+                  <a:tcPr>
+                    <a:lnL w="12700" cap="flat" cmpd="sng" algn="ctr">
+                      <a:solidFill>
+                        <a:schemeClr val="tx1"/>
+                      </a:solidFill>
+                      <a:prstDash val="solid"/>
+                      <a:round/>
+                      <a:headEnd type="none" w="med" len="med"/>
+                      <a:tailEnd type="none" w="med" len="med"/>
+                    </a:lnL>
+                    <a:lnR w="12700" cap="flat" cmpd="sng" algn="ctr">
+                      <a:solidFill>
+                        <a:schemeClr val="tx1"/>
+                      </a:solidFill>
+                      <a:prstDash val="solid"/>
+                      <a:round/>
+                      <a:headEnd type="none" w="med" len="med"/>
+                      <a:tailEnd type="none" w="med" len="med"/>
+                    </a:lnR>
+                    <a:lnT w="12700" cap="flat" cmpd="sng" algn="ctr">
+                      <a:solidFill>
+                        <a:schemeClr val="tx1"/>
+                      </a:solidFill>
+                      <a:prstDash val="solid"/>
+                      <a:round/>
+                      <a:headEnd type="none" w="med" len="med"/>
+                      <a:tailEnd type="none" w="med" len="med"/>
+                    </a:lnT>
+                    <a:lnB w="12700" cap="flat" cmpd="sng" algn="ctr">
+                      <a:solidFill>
+                        <a:schemeClr val="tx1"/>
+                      </a:solidFill>
+                      <a:prstDash val="solid"/>
+                      <a:round/>
+                      <a:headEnd type="none" w="med" len="med"/>
+                      <a:tailEnd type="none" w="med" len="med"/>
+                    </a:lnB>
+                    <a:lnTlToBr w="12700" cmpd="sng">
+                      <a:noFill/>
+                      <a:prstDash val="solid"/>
+                    </a:lnTlToBr>
+                    <a:lnBlToTr w="12700" cmpd="sng">
+                      <a:noFill/>
+                      <a:prstDash val="solid"/>
+                    </a:lnBlToTr>
+                    <a:noFill/>
+                  </a:tcPr>
+                </a:tc>
+                <a:tc>
+                  <a:txBody>
+                    <a:bodyPr/>
+                    <a:lstStyle/>
+                    <a:p>
+                      <a:r>
+                        <a:rPr lang="en-US" dirty="0">
+                          <a:solidFill>
+                            <a:sysClr val="windowText" lastClr="000000"/>
+                          </a:solidFill>
+                        </a:rPr>
+                        <a:t>Use individual points </a:t>
+                      </a:r>
+                    </a:p>
+                    <a:p>
+                      <a:endParaRPr lang="en-US" dirty="0">
+                        <a:solidFill>
+                          <a:sysClr val="windowText" lastClr="000000"/>
+                        </a:solidFill>
+                      </a:endParaRPr>
+                    </a:p>
+                  </a:txBody>
+                  <a:tcPr>
+                    <a:lnL w="12700" cap="flat" cmpd="sng" algn="ctr">
+                      <a:solidFill>
+                        <a:schemeClr val="tx1"/>
+                      </a:solidFill>
+                      <a:prstDash val="solid"/>
+                      <a:round/>
+                      <a:headEnd type="none" w="med" len="med"/>
+                      <a:tailEnd type="none" w="med" len="med"/>
+                    </a:lnL>
+                    <a:lnR w="12700" cap="flat" cmpd="sng" algn="ctr">
+                      <a:solidFill>
+                        <a:schemeClr val="tx1"/>
+                      </a:solidFill>
+                      <a:prstDash val="solid"/>
+                      <a:round/>
+                      <a:headEnd type="none" w="med" len="med"/>
+                      <a:tailEnd type="none" w="med" len="med"/>
+                    </a:lnR>
+                    <a:lnT w="12700" cap="flat" cmpd="sng" algn="ctr">
+                      <a:solidFill>
+                        <a:schemeClr val="tx1"/>
+                      </a:solidFill>
+                      <a:prstDash val="solid"/>
+                      <a:round/>
+                      <a:headEnd type="none" w="med" len="med"/>
+                      <a:tailEnd type="none" w="med" len="med"/>
+                    </a:lnT>
+                    <a:lnB w="12700" cap="flat" cmpd="sng" algn="ctr">
+                      <a:solidFill>
+                        <a:schemeClr val="tx1"/>
+                      </a:solidFill>
+                      <a:prstDash val="solid"/>
+                      <a:round/>
+                      <a:headEnd type="none" w="med" len="med"/>
+                      <a:tailEnd type="none" w="med" len="med"/>
+                    </a:lnB>
+                    <a:lnTlToBr w="12700" cmpd="sng">
+                      <a:noFill/>
+                      <a:prstDash val="solid"/>
+                    </a:lnTlToBr>
+                    <a:lnBlToTr w="12700" cmpd="sng">
+                      <a:noFill/>
+                      <a:prstDash val="solid"/>
+                    </a:lnBlToTr>
+                    <a:noFill/>
+                  </a:tcPr>
+                </a:tc>
+                <a:tc>
+                  <a:txBody>
+                    <a:bodyPr/>
+                    <a:lstStyle/>
+                    <a:p>
+                      <a:pPr marL="0" marR="0" lvl="0" indent="0" algn="l" defTabSz="914400" rtl="0" eaLnBrk="1" fontAlgn="auto" latinLnBrk="0" hangingPunct="1">
+                        <a:lnSpc>
+                          <a:spcPct val="100000"/>
+                        </a:lnSpc>
+                        <a:spcBef>
+                          <a:spcPts val="0"/>
+                        </a:spcBef>
+                        <a:spcAft>
+                          <a:spcPts val="0"/>
+                        </a:spcAft>
+                        <a:buClrTx/>
+                        <a:buSzTx/>
+                        <a:buFontTx/>
+                        <a:buNone/>
+                        <a:tabLst/>
+                        <a:defRPr/>
+                      </a:pPr>
+                      <a:r>
+                        <a:rPr lang="en-US" dirty="0">
+                          <a:solidFill>
+                            <a:sysClr val="windowText" lastClr="000000"/>
+                          </a:solidFill>
+                        </a:rPr>
+                        <a:t>visualize through jitter</a:t>
+                      </a:r>
+                    </a:p>
+                    <a:p>
+                      <a:endParaRPr lang="en-US" dirty="0">
+                        <a:solidFill>
+                          <a:sysClr val="windowText" lastClr="000000"/>
+                        </a:solidFill>
+                      </a:endParaRPr>
+                    </a:p>
+                  </a:txBody>
+                  <a:tcPr>
+                    <a:lnL w="12700" cap="flat" cmpd="sng" algn="ctr">
+                      <a:solidFill>
+                        <a:schemeClr val="tx1"/>
+                      </a:solidFill>
+                      <a:prstDash val="solid"/>
+                      <a:round/>
+                      <a:headEnd type="none" w="med" len="med"/>
+                      <a:tailEnd type="none" w="med" len="med"/>
+                    </a:lnL>
+                    <a:lnR w="12700" cap="flat" cmpd="sng" algn="ctr">
+                      <a:solidFill>
+                        <a:schemeClr val="tx1"/>
+                      </a:solidFill>
+                      <a:prstDash val="solid"/>
+                      <a:round/>
+                      <a:headEnd type="none" w="med" len="med"/>
+                      <a:tailEnd type="none" w="med" len="med"/>
+                    </a:lnR>
+                    <a:lnT w="12700" cap="flat" cmpd="sng" algn="ctr">
+                      <a:solidFill>
+                        <a:schemeClr val="tx1"/>
+                      </a:solidFill>
+                      <a:prstDash val="solid"/>
+                      <a:round/>
+                      <a:headEnd type="none" w="med" len="med"/>
+                      <a:tailEnd type="none" w="med" len="med"/>
+                    </a:lnT>
+                    <a:lnB w="12700" cap="flat" cmpd="sng" algn="ctr">
+                      <a:solidFill>
+                        <a:schemeClr val="tx1"/>
+                      </a:solidFill>
+                      <a:prstDash val="solid"/>
+                      <a:round/>
+                      <a:headEnd type="none" w="med" len="med"/>
+                      <a:tailEnd type="none" w="med" len="med"/>
+                    </a:lnB>
+                    <a:lnTlToBr w="12700" cmpd="sng">
+                      <a:noFill/>
+                      <a:prstDash val="solid"/>
+                    </a:lnTlToBr>
+                    <a:lnBlToTr w="12700" cmpd="sng">
+                      <a:noFill/>
+                      <a:prstDash val="solid"/>
+                    </a:lnBlToTr>
+                    <a:noFill/>
+                  </a:tcPr>
+                </a:tc>
+                <a:extLst>
+                  <a:ext uri="{0D108BD9-81ED-4DB2-BD59-A6C34878D82A}">
+                    <a16:rowId xmlns:a16="http://schemas.microsoft.com/office/drawing/2014/main" val="2328794869"/>
+                  </a:ext>
+                </a:extLst>
+              </a:tr>
+              <a:tr h="370840">
+                <a:tc vMerge="1">
+                  <a:txBody>
+                    <a:bodyPr/>
+                    <a:lstStyle/>
+                    <a:p>
+                      <a:pPr algn="ctr"/>
+                      <a:endParaRPr lang="en-US" sz="1200" dirty="0">
+                        <a:solidFill>
+                          <a:sysClr val="windowText" lastClr="000000"/>
+                        </a:solidFill>
+                      </a:endParaRPr>
+                    </a:p>
+                  </a:txBody>
+                  <a:tcPr>
+                    <a:lnL w="12700" cap="flat" cmpd="sng" algn="ctr">
+                      <a:solidFill>
+                        <a:schemeClr val="tx1"/>
+                      </a:solidFill>
+                      <a:prstDash val="solid"/>
+                      <a:round/>
+                      <a:headEnd type="none" w="med" len="med"/>
+                      <a:tailEnd type="none" w="med" len="med"/>
+                    </a:lnL>
+                    <a:lnR w="12700" cap="flat" cmpd="sng" algn="ctr">
+                      <a:solidFill>
+                        <a:schemeClr val="tx1"/>
+                      </a:solidFill>
+                      <a:prstDash val="solid"/>
+                      <a:round/>
+                      <a:headEnd type="none" w="med" len="med"/>
+                      <a:tailEnd type="none" w="med" len="med"/>
+                    </a:lnR>
+                    <a:lnT w="12700" cap="flat" cmpd="sng" algn="ctr">
+                      <a:solidFill>
+                        <a:schemeClr val="tx1"/>
+                      </a:solidFill>
+                      <a:prstDash val="solid"/>
+                      <a:round/>
+                      <a:headEnd type="none" w="med" len="med"/>
+                      <a:tailEnd type="none" w="med" len="med"/>
+                    </a:lnT>
+                    <a:lnB w="12700" cap="flat" cmpd="sng" algn="ctr">
+                      <a:solidFill>
+                        <a:schemeClr val="tx1"/>
+                      </a:solidFill>
+                      <a:prstDash val="solid"/>
+                      <a:round/>
+                      <a:headEnd type="none" w="med" len="med"/>
+                      <a:tailEnd type="none" w="med" len="med"/>
+                    </a:lnB>
+                    <a:lnTlToBr w="12700" cmpd="sng">
+                      <a:noFill/>
+                      <a:prstDash val="solid"/>
+                    </a:lnTlToBr>
+                    <a:lnBlToTr w="12700" cmpd="sng">
+                      <a:noFill/>
+                      <a:prstDash val="solid"/>
+                    </a:lnBlToTr>
+                    <a:noFill/>
+                  </a:tcPr>
+                </a:tc>
+                <a:tc>
+                  <a:txBody>
+                    <a:bodyPr/>
+                    <a:lstStyle/>
+                    <a:p>
+                      <a:pPr marL="0" marR="0" lvl="0" indent="0" algn="l" defTabSz="914400" rtl="0" eaLnBrk="1" fontAlgn="auto" latinLnBrk="0" hangingPunct="1">
+                        <a:lnSpc>
+                          <a:spcPct val="100000"/>
+                        </a:lnSpc>
+                        <a:spcBef>
+                          <a:spcPts val="0"/>
+                        </a:spcBef>
+                        <a:spcAft>
+                          <a:spcPts val="0"/>
+                        </a:spcAft>
+                        <a:buClrTx/>
+                        <a:buSzTx/>
+                        <a:buFontTx/>
+                        <a:buNone/>
+                        <a:tabLst/>
+                        <a:defRPr/>
+                      </a:pPr>
+                      <a:r>
+                        <a:rPr lang="en-US" dirty="0">
+                          <a:solidFill>
+                            <a:sysClr val="windowText" lastClr="000000"/>
+                          </a:solidFill>
+                        </a:rPr>
+                        <a:t>Compute quartiles andQ1-3IQR and Q3+3IQR</a:t>
+                      </a:r>
+                    </a:p>
+                    <a:p>
+                      <a:endParaRPr lang="en-US" dirty="0">
+                        <a:solidFill>
+                          <a:sysClr val="windowText" lastClr="000000"/>
+                        </a:solidFill>
+                      </a:endParaRPr>
+                    </a:p>
+                  </a:txBody>
+                  <a:tcPr>
+                    <a:lnL w="12700" cap="flat" cmpd="sng" algn="ctr">
+                      <a:solidFill>
+                        <a:schemeClr val="tx1"/>
+                      </a:solidFill>
+                      <a:prstDash val="solid"/>
+                      <a:round/>
+                      <a:headEnd type="none" w="med" len="med"/>
+                      <a:tailEnd type="none" w="med" len="med"/>
+                    </a:lnL>
+                    <a:lnR w="12700" cap="flat" cmpd="sng" algn="ctr">
+                      <a:solidFill>
+                        <a:schemeClr val="tx1"/>
+                      </a:solidFill>
+                      <a:prstDash val="solid"/>
+                      <a:round/>
+                      <a:headEnd type="none" w="med" len="med"/>
+                      <a:tailEnd type="none" w="med" len="med"/>
+                    </a:lnR>
+                    <a:lnT w="12700" cap="flat" cmpd="sng" algn="ctr">
+                      <a:solidFill>
+                        <a:schemeClr val="tx1"/>
+                      </a:solidFill>
+                      <a:prstDash val="solid"/>
+                      <a:round/>
+                      <a:headEnd type="none" w="med" len="med"/>
+                      <a:tailEnd type="none" w="med" len="med"/>
+                    </a:lnT>
+                    <a:lnB w="12700" cap="flat" cmpd="sng" algn="ctr">
+                      <a:solidFill>
+                        <a:schemeClr val="tx1"/>
+                      </a:solidFill>
+                      <a:prstDash val="solid"/>
+                      <a:round/>
+                      <a:headEnd type="none" w="med" len="med"/>
+                      <a:tailEnd type="none" w="med" len="med"/>
+                    </a:lnB>
+                    <a:lnTlToBr w="12700" cmpd="sng">
+                      <a:noFill/>
+                      <a:prstDash val="solid"/>
+                    </a:lnTlToBr>
+                    <a:lnBlToTr w="12700" cmpd="sng">
+                      <a:noFill/>
+                      <a:prstDash val="solid"/>
+                    </a:lnBlToTr>
+                    <a:noFill/>
+                  </a:tcPr>
+                </a:tc>
+                <a:tc>
+                  <a:txBody>
+                    <a:bodyPr/>
+                    <a:lstStyle/>
+                    <a:p>
+                      <a:pPr marL="0" marR="0" lvl="0" indent="0" algn="l" defTabSz="914400" rtl="0" eaLnBrk="1" fontAlgn="auto" latinLnBrk="0" hangingPunct="1">
+                        <a:lnSpc>
+                          <a:spcPct val="100000"/>
+                        </a:lnSpc>
+                        <a:spcBef>
+                          <a:spcPts val="0"/>
+                        </a:spcBef>
+                        <a:spcAft>
+                          <a:spcPts val="0"/>
+                        </a:spcAft>
+                        <a:buClrTx/>
+                        <a:buSzTx/>
+                        <a:buFontTx/>
+                        <a:buNone/>
+                        <a:tabLst/>
+                        <a:defRPr/>
+                      </a:pPr>
+                      <a:r>
+                        <a:rPr lang="en-US" dirty="0">
+                          <a:solidFill>
+                            <a:sysClr val="windowText" lastClr="000000"/>
+                          </a:solidFill>
+                        </a:rPr>
+                        <a:t>Visualize through box and whisker plot</a:t>
+                      </a:r>
+                    </a:p>
+                    <a:p>
+                      <a:endParaRPr lang="en-US" dirty="0">
+                        <a:solidFill>
+                          <a:sysClr val="windowText" lastClr="000000"/>
+                        </a:solidFill>
+                      </a:endParaRPr>
+                    </a:p>
+                  </a:txBody>
+                  <a:tcPr>
+                    <a:lnL w="12700" cap="flat" cmpd="sng" algn="ctr">
+                      <a:solidFill>
+                        <a:schemeClr val="tx1"/>
+                      </a:solidFill>
+                      <a:prstDash val="solid"/>
+                      <a:round/>
+                      <a:headEnd type="none" w="med" len="med"/>
+                      <a:tailEnd type="none" w="med" len="med"/>
+                    </a:lnL>
+                    <a:lnR w="12700" cap="flat" cmpd="sng" algn="ctr">
+                      <a:solidFill>
+                        <a:schemeClr val="tx1"/>
+                      </a:solidFill>
+                      <a:prstDash val="solid"/>
+                      <a:round/>
+                      <a:headEnd type="none" w="med" len="med"/>
+                      <a:tailEnd type="none" w="med" len="med"/>
+                    </a:lnR>
+                    <a:lnT w="12700" cap="flat" cmpd="sng" algn="ctr">
+                      <a:solidFill>
+                        <a:schemeClr val="tx1"/>
+                      </a:solidFill>
+                      <a:prstDash val="solid"/>
+                      <a:round/>
+                      <a:headEnd type="none" w="med" len="med"/>
+                      <a:tailEnd type="none" w="med" len="med"/>
+                    </a:lnT>
+                    <a:lnB w="12700" cap="flat" cmpd="sng" algn="ctr">
+                      <a:solidFill>
+                        <a:schemeClr val="tx1"/>
+                      </a:solidFill>
+                      <a:prstDash val="solid"/>
+                      <a:round/>
+                      <a:headEnd type="none" w="med" len="med"/>
+                      <a:tailEnd type="none" w="med" len="med"/>
+                    </a:lnB>
+                    <a:lnTlToBr w="12700" cmpd="sng">
+                      <a:noFill/>
+                      <a:prstDash val="solid"/>
+                    </a:lnTlToBr>
+                    <a:lnBlToTr w="12700" cmpd="sng">
+                      <a:noFill/>
+                      <a:prstDash val="solid"/>
+                    </a:lnBlToTr>
+                    <a:noFill/>
+                  </a:tcPr>
+                </a:tc>
+                <a:extLst>
+                  <a:ext uri="{0D108BD9-81ED-4DB2-BD59-A6C34878D82A}">
+                    <a16:rowId xmlns:a16="http://schemas.microsoft.com/office/drawing/2014/main" val="3166877564"/>
+                  </a:ext>
+                </a:extLst>
+              </a:tr>
+              <a:tr h="370840">
+                <a:tc>
+                  <a:txBody>
+                    <a:bodyPr/>
+                    <a:lstStyle/>
+                    <a:p>
+                      <a:pPr algn="ctr"/>
+                      <a:r>
+                        <a:rPr lang="en-US" sz="1200" dirty="0">
+                          <a:solidFill>
+                            <a:sysClr val="windowText" lastClr="000000"/>
+                          </a:solidFill>
+                        </a:rPr>
+                        <a:t>F</a:t>
+                      </a:r>
+                    </a:p>
+                  </a:txBody>
+                  <a:tcPr>
+                    <a:lnL w="12700" cap="flat" cmpd="sng" algn="ctr">
+                      <a:solidFill>
+                        <a:schemeClr val="tx1"/>
+                      </a:solidFill>
+                      <a:prstDash val="solid"/>
+                      <a:round/>
+                      <a:headEnd type="none" w="med" len="med"/>
+                      <a:tailEnd type="none" w="med" len="med"/>
+                    </a:lnL>
+                    <a:lnR w="12700" cap="flat" cmpd="sng" algn="ctr">
+                      <a:solidFill>
+                        <a:schemeClr val="tx1"/>
+                      </a:solidFill>
+                      <a:prstDash val="solid"/>
+                      <a:round/>
+                      <a:headEnd type="none" w="med" len="med"/>
+                      <a:tailEnd type="none" w="med" len="med"/>
+                    </a:lnR>
+                    <a:lnT w="12700" cap="flat" cmpd="sng" algn="ctr">
+                      <a:solidFill>
+                        <a:schemeClr val="tx1"/>
+                      </a:solidFill>
+                      <a:prstDash val="solid"/>
+                      <a:round/>
+                      <a:headEnd type="none" w="med" len="med"/>
+                      <a:tailEnd type="none" w="med" len="med"/>
+                    </a:lnT>
+                    <a:lnB w="12700" cap="flat" cmpd="sng" algn="ctr">
+                      <a:solidFill>
+                        <a:schemeClr val="tx1"/>
+                      </a:solidFill>
+                      <a:prstDash val="solid"/>
+                      <a:round/>
+                      <a:headEnd type="none" w="med" len="med"/>
+                      <a:tailEnd type="none" w="med" len="med"/>
+                    </a:lnB>
+                    <a:lnTlToBr w="12700" cmpd="sng">
+                      <a:noFill/>
+                      <a:prstDash val="solid"/>
+                    </a:lnTlToBr>
+                    <a:lnBlToTr w="12700" cmpd="sng">
+                      <a:noFill/>
+                      <a:prstDash val="solid"/>
+                    </a:lnBlToTr>
+                    <a:noFill/>
+                  </a:tcPr>
+                </a:tc>
+                <a:tc>
+                  <a:txBody>
+                    <a:bodyPr/>
+                    <a:lstStyle/>
+                    <a:p>
+                      <a:r>
+                        <a:rPr lang="en-US" dirty="0">
+                          <a:solidFill>
+                            <a:sysClr val="windowText" lastClr="000000"/>
+                          </a:solidFill>
+                        </a:rPr>
+                        <a:t>Compute kernel density</a:t>
+                      </a:r>
+                    </a:p>
+                  </a:txBody>
+                  <a:tcPr>
+                    <a:lnL w="12700" cap="flat" cmpd="sng" algn="ctr">
+                      <a:solidFill>
+                        <a:schemeClr val="tx1"/>
+                      </a:solidFill>
+                      <a:prstDash val="solid"/>
+                      <a:round/>
+                      <a:headEnd type="none" w="med" len="med"/>
+                      <a:tailEnd type="none" w="med" len="med"/>
+                    </a:lnL>
+                    <a:lnR w="12700" cap="flat" cmpd="sng" algn="ctr">
+                      <a:solidFill>
+                        <a:schemeClr val="tx1"/>
+                      </a:solidFill>
+                      <a:prstDash val="solid"/>
+                      <a:round/>
+                      <a:headEnd type="none" w="med" len="med"/>
+                      <a:tailEnd type="none" w="med" len="med"/>
+                    </a:lnR>
+                    <a:lnT w="12700" cap="flat" cmpd="sng" algn="ctr">
+                      <a:solidFill>
+                        <a:schemeClr val="tx1"/>
+                      </a:solidFill>
+                      <a:prstDash val="solid"/>
+                      <a:round/>
+                      <a:headEnd type="none" w="med" len="med"/>
+                      <a:tailEnd type="none" w="med" len="med"/>
+                    </a:lnT>
+                    <a:lnB w="12700" cap="flat" cmpd="sng" algn="ctr">
+                      <a:solidFill>
+                        <a:schemeClr val="tx1"/>
+                      </a:solidFill>
+                      <a:prstDash val="solid"/>
+                      <a:round/>
+                      <a:headEnd type="none" w="med" len="med"/>
+                      <a:tailEnd type="none" w="med" len="med"/>
+                    </a:lnB>
+                    <a:lnTlToBr w="12700" cmpd="sng">
+                      <a:noFill/>
+                      <a:prstDash val="solid"/>
+                    </a:lnTlToBr>
+                    <a:lnBlToTr w="12700" cmpd="sng">
+                      <a:noFill/>
+                      <a:prstDash val="solid"/>
+                    </a:lnBlToTr>
+                    <a:noFill/>
+                  </a:tcPr>
+                </a:tc>
+                <a:tc>
+                  <a:txBody>
+                    <a:bodyPr/>
+                    <a:lstStyle/>
+                    <a:p>
+                      <a:pPr marL="0" marR="0" lvl="0" indent="0" algn="l" defTabSz="914400" rtl="0" eaLnBrk="1" fontAlgn="auto" latinLnBrk="0" hangingPunct="1">
+                        <a:lnSpc>
+                          <a:spcPct val="100000"/>
+                        </a:lnSpc>
+                        <a:spcBef>
+                          <a:spcPts val="0"/>
+                        </a:spcBef>
+                        <a:spcAft>
+                          <a:spcPts val="0"/>
+                        </a:spcAft>
+                        <a:buClrTx/>
+                        <a:buSzTx/>
+                        <a:buFontTx/>
+                        <a:buNone/>
+                        <a:tabLst/>
+                        <a:defRPr/>
+                      </a:pPr>
+                      <a:r>
+                        <a:rPr lang="en-US" dirty="0">
+                          <a:solidFill>
+                            <a:sysClr val="windowText" lastClr="000000"/>
+                          </a:solidFill>
+                        </a:rPr>
+                        <a:t>Visualize through violin geometry</a:t>
+                      </a:r>
+                    </a:p>
+                    <a:p>
+                      <a:endParaRPr lang="en-US" dirty="0">
+                        <a:solidFill>
+                          <a:sysClr val="windowText" lastClr="000000"/>
+                        </a:solidFill>
+                      </a:endParaRPr>
+                    </a:p>
+                  </a:txBody>
+                  <a:tcPr>
+                    <a:lnL w="12700" cap="flat" cmpd="sng" algn="ctr">
+                      <a:solidFill>
+                        <a:schemeClr val="tx1"/>
+                      </a:solidFill>
+                      <a:prstDash val="solid"/>
+                      <a:round/>
+                      <a:headEnd type="none" w="med" len="med"/>
+                      <a:tailEnd type="none" w="med" len="med"/>
+                    </a:lnL>
+                    <a:lnR w="12700" cap="flat" cmpd="sng" algn="ctr">
+                      <a:solidFill>
+                        <a:schemeClr val="tx1"/>
+                      </a:solidFill>
+                      <a:prstDash val="solid"/>
+                      <a:round/>
+                      <a:headEnd type="none" w="med" len="med"/>
+                      <a:tailEnd type="none" w="med" len="med"/>
+                    </a:lnR>
+                    <a:lnT w="12700" cap="flat" cmpd="sng" algn="ctr">
+                      <a:solidFill>
+                        <a:schemeClr val="tx1"/>
+                      </a:solidFill>
+                      <a:prstDash val="solid"/>
+                      <a:round/>
+                      <a:headEnd type="none" w="med" len="med"/>
+                      <a:tailEnd type="none" w="med" len="med"/>
+                    </a:lnT>
+                    <a:lnB w="12700" cap="flat" cmpd="sng" algn="ctr">
+                      <a:solidFill>
+                        <a:schemeClr val="tx1"/>
+                      </a:solidFill>
+                      <a:prstDash val="solid"/>
+                      <a:round/>
+                      <a:headEnd type="none" w="med" len="med"/>
+                      <a:tailEnd type="none" w="med" len="med"/>
+                    </a:lnB>
+                    <a:lnTlToBr w="12700" cmpd="sng">
+                      <a:noFill/>
+                      <a:prstDash val="solid"/>
+                    </a:lnTlToBr>
+                    <a:lnBlToTr w="12700" cmpd="sng">
+                      <a:noFill/>
+                      <a:prstDash val="solid"/>
+                    </a:lnBlToTr>
+                    <a:noFill/>
+                  </a:tcPr>
+                </a:tc>
+                <a:extLst>
+                  <a:ext uri="{0D108BD9-81ED-4DB2-BD59-A6C34878D82A}">
+                    <a16:rowId xmlns:a16="http://schemas.microsoft.com/office/drawing/2014/main" val="4077558766"/>
+                  </a:ext>
+                </a:extLst>
+              </a:tr>
+              <a:tr h="370840">
+                <a:tc>
+                  <a:txBody>
+                    <a:bodyPr/>
+                    <a:lstStyle/>
+                    <a:p>
+                      <a:pPr algn="ctr"/>
+                      <a:r>
+                        <a:rPr lang="en-US" sz="1200" dirty="0">
+                          <a:solidFill>
+                            <a:sysClr val="windowText" lastClr="000000"/>
+                          </a:solidFill>
+                        </a:rPr>
+                        <a:t>G</a:t>
+                      </a:r>
+                    </a:p>
+                  </a:txBody>
+                  <a:tcPr>
+                    <a:lnL w="12700" cap="flat" cmpd="sng" algn="ctr">
+                      <a:solidFill>
+                        <a:schemeClr val="tx1"/>
+                      </a:solidFill>
+                      <a:prstDash val="solid"/>
+                      <a:round/>
+                      <a:headEnd type="none" w="med" len="med"/>
+                      <a:tailEnd type="none" w="med" len="med"/>
+                    </a:lnL>
+                    <a:lnR w="12700" cap="flat" cmpd="sng" algn="ctr">
+                      <a:solidFill>
+                        <a:schemeClr val="tx1"/>
+                      </a:solidFill>
+                      <a:prstDash val="solid"/>
+                      <a:round/>
+                      <a:headEnd type="none" w="med" len="med"/>
+                      <a:tailEnd type="none" w="med" len="med"/>
+                    </a:lnR>
+                    <a:lnT w="12700" cap="flat" cmpd="sng" algn="ctr">
+                      <a:solidFill>
+                        <a:schemeClr val="tx1"/>
+                      </a:solidFill>
+                      <a:prstDash val="solid"/>
+                      <a:round/>
+                      <a:headEnd type="none" w="med" len="med"/>
+                      <a:tailEnd type="none" w="med" len="med"/>
+                    </a:lnT>
+                    <a:lnB w="12700" cap="flat" cmpd="sng" algn="ctr">
+                      <a:solidFill>
+                        <a:schemeClr val="tx1"/>
+                      </a:solidFill>
+                      <a:prstDash val="solid"/>
+                      <a:round/>
+                      <a:headEnd type="none" w="med" len="med"/>
+                      <a:tailEnd type="none" w="med" len="med"/>
+                    </a:lnB>
+                    <a:lnTlToBr w="12700" cmpd="sng">
+                      <a:noFill/>
+                      <a:prstDash val="solid"/>
+                    </a:lnTlToBr>
+                    <a:lnBlToTr w="12700" cmpd="sng">
+                      <a:noFill/>
+                      <a:prstDash val="solid"/>
+                    </a:lnBlToTr>
+                    <a:noFill/>
+                  </a:tcPr>
+                </a:tc>
+                <a:tc>
+                  <a:txBody>
+                    <a:bodyPr/>
+                    <a:lstStyle/>
+                    <a:p>
+                      <a:r>
+                        <a:rPr lang="en-US" dirty="0">
+                          <a:solidFill>
+                            <a:sysClr val="windowText" lastClr="000000"/>
+                          </a:solidFill>
+                        </a:rPr>
+                        <a:t>Compute minimum and maximum of data</a:t>
+                      </a:r>
+                    </a:p>
+                  </a:txBody>
+                  <a:tcPr>
+                    <a:lnL w="12700" cap="flat" cmpd="sng" algn="ctr">
+                      <a:solidFill>
+                        <a:schemeClr val="tx1"/>
+                      </a:solidFill>
+                      <a:prstDash val="solid"/>
+                      <a:round/>
+                      <a:headEnd type="none" w="med" len="med"/>
+                      <a:tailEnd type="none" w="med" len="med"/>
+                    </a:lnL>
+                    <a:lnR w="12700" cap="flat" cmpd="sng" algn="ctr">
+                      <a:solidFill>
+                        <a:schemeClr val="tx1"/>
+                      </a:solidFill>
+                      <a:prstDash val="solid"/>
+                      <a:round/>
+                      <a:headEnd type="none" w="med" len="med"/>
+                      <a:tailEnd type="none" w="med" len="med"/>
+                    </a:lnR>
+                    <a:lnT w="12700" cap="flat" cmpd="sng" algn="ctr">
+                      <a:solidFill>
+                        <a:schemeClr val="tx1"/>
+                      </a:solidFill>
+                      <a:prstDash val="solid"/>
+                      <a:round/>
+                      <a:headEnd type="none" w="med" len="med"/>
+                      <a:tailEnd type="none" w="med" len="med"/>
+                    </a:lnT>
+                    <a:lnB w="12700" cap="flat" cmpd="sng" algn="ctr">
+                      <a:solidFill>
+                        <a:schemeClr val="tx1"/>
+                      </a:solidFill>
+                      <a:prstDash val="solid"/>
+                      <a:round/>
+                      <a:headEnd type="none" w="med" len="med"/>
+                      <a:tailEnd type="none" w="med" len="med"/>
+                    </a:lnB>
+                    <a:lnTlToBr w="12700" cmpd="sng">
+                      <a:noFill/>
+                      <a:prstDash val="solid"/>
+                    </a:lnTlToBr>
+                    <a:lnBlToTr w="12700" cmpd="sng">
+                      <a:noFill/>
+                      <a:prstDash val="solid"/>
+                    </a:lnBlToTr>
+                    <a:noFill/>
+                  </a:tcPr>
+                </a:tc>
+                <a:tc>
+                  <a:txBody>
+                    <a:bodyPr/>
+                    <a:lstStyle/>
+                    <a:p>
+                      <a:r>
+                        <a:rPr lang="en-US" dirty="0">
+                          <a:solidFill>
+                            <a:sysClr val="windowText" lastClr="000000"/>
+                          </a:solidFill>
+                        </a:rPr>
+                        <a:t>Visualize through line</a:t>
+                      </a:r>
+                    </a:p>
+                  </a:txBody>
+                  <a:tcPr>
+                    <a:lnL w="12700" cap="flat" cmpd="sng" algn="ctr">
+                      <a:solidFill>
+                        <a:schemeClr val="tx1"/>
+                      </a:solidFill>
+                      <a:prstDash val="solid"/>
+                      <a:round/>
+                      <a:headEnd type="none" w="med" len="med"/>
+                      <a:tailEnd type="none" w="med" len="med"/>
+                    </a:lnL>
+                    <a:lnR w="12700" cap="flat" cmpd="sng" algn="ctr">
+                      <a:solidFill>
+                        <a:schemeClr val="tx1"/>
+                      </a:solidFill>
+                      <a:prstDash val="solid"/>
+                      <a:round/>
+                      <a:headEnd type="none" w="med" len="med"/>
+                      <a:tailEnd type="none" w="med" len="med"/>
+                    </a:lnR>
+                    <a:lnT w="12700" cap="flat" cmpd="sng" algn="ctr">
+                      <a:solidFill>
+                        <a:schemeClr val="tx1"/>
+                      </a:solidFill>
+                      <a:prstDash val="solid"/>
+                      <a:round/>
+                      <a:headEnd type="none" w="med" len="med"/>
+                      <a:tailEnd type="none" w="med" len="med"/>
+                    </a:lnT>
+                    <a:lnB w="12700" cap="flat" cmpd="sng" algn="ctr">
+                      <a:solidFill>
+                        <a:schemeClr val="tx1"/>
+                      </a:solidFill>
+                      <a:prstDash val="solid"/>
+                      <a:round/>
+                      <a:headEnd type="none" w="med" len="med"/>
+                      <a:tailEnd type="none" w="med" len="med"/>
+                    </a:lnB>
+                    <a:lnTlToBr w="12700" cmpd="sng">
+                      <a:noFill/>
+                      <a:prstDash val="solid"/>
+                    </a:lnTlToBr>
+                    <a:lnBlToTr w="12700" cmpd="sng">
+                      <a:noFill/>
+                      <a:prstDash val="solid"/>
+                    </a:lnBlToTr>
+                    <a:noFill/>
+                  </a:tcPr>
+                </a:tc>
+                <a:extLst>
+                  <a:ext uri="{0D108BD9-81ED-4DB2-BD59-A6C34878D82A}">
+                    <a16:rowId xmlns:a16="http://schemas.microsoft.com/office/drawing/2014/main" val="896407633"/>
+                  </a:ext>
+                </a:extLst>
+              </a:tr>
+              <a:tr h="370840">
+                <a:tc>
+                  <a:txBody>
+                    <a:bodyPr/>
+                    <a:lstStyle/>
+                    <a:p>
+                      <a:pPr algn="ctr"/>
+                      <a:r>
+                        <a:rPr lang="en-US" sz="1200" dirty="0">
+                          <a:solidFill>
+                            <a:sysClr val="windowText" lastClr="000000"/>
+                          </a:solidFill>
+                        </a:rPr>
+                        <a:t>H</a:t>
+                      </a:r>
+                    </a:p>
+                  </a:txBody>
+                  <a:tcPr>
+                    <a:lnL w="12700" cap="flat" cmpd="sng" algn="ctr">
+                      <a:solidFill>
+                        <a:schemeClr val="tx1"/>
+                      </a:solidFill>
+                      <a:prstDash val="solid"/>
+                      <a:round/>
+                      <a:headEnd type="none" w="med" len="med"/>
+                      <a:tailEnd type="none" w="med" len="med"/>
+                    </a:lnL>
+                    <a:lnR w="12700" cap="flat" cmpd="sng" algn="ctr">
+                      <a:solidFill>
+                        <a:schemeClr val="tx1"/>
+                      </a:solidFill>
+                      <a:prstDash val="solid"/>
+                      <a:round/>
+                      <a:headEnd type="none" w="med" len="med"/>
+                      <a:tailEnd type="none" w="med" len="med"/>
+                    </a:lnR>
+                    <a:lnT w="12700" cap="flat" cmpd="sng" algn="ctr">
+                      <a:solidFill>
+                        <a:schemeClr val="tx1"/>
+                      </a:solidFill>
+                      <a:prstDash val="solid"/>
+                      <a:round/>
+                      <a:headEnd type="none" w="med" len="med"/>
+                      <a:tailEnd type="none" w="med" len="med"/>
+                    </a:lnT>
+                    <a:lnB w="12700" cap="flat" cmpd="sng" algn="ctr">
+                      <a:solidFill>
+                        <a:schemeClr val="tx1"/>
+                      </a:solidFill>
+                      <a:prstDash val="solid"/>
+                      <a:round/>
+                      <a:headEnd type="none" w="med" len="med"/>
+                      <a:tailEnd type="none" w="med" len="med"/>
+                    </a:lnB>
+                    <a:lnTlToBr w="12700" cmpd="sng">
+                      <a:noFill/>
+                      <a:prstDash val="solid"/>
+                    </a:lnTlToBr>
+                    <a:lnBlToTr w="12700" cmpd="sng">
+                      <a:noFill/>
+                      <a:prstDash val="solid"/>
+                    </a:lnBlToTr>
+                    <a:noFill/>
+                  </a:tcPr>
+                </a:tc>
+                <a:tc>
+                  <a:txBody>
+                    <a:bodyPr/>
+                    <a:lstStyle/>
+                    <a:p>
+                      <a:r>
+                        <a:rPr lang="en-US" dirty="0">
+                          <a:solidFill>
+                            <a:sysClr val="windowText" lastClr="000000"/>
+                          </a:solidFill>
+                        </a:rPr>
+                        <a:t>Compute minimum, mean and maximum</a:t>
+                      </a:r>
+                    </a:p>
+                  </a:txBody>
+                  <a:tcPr>
+                    <a:lnL w="12700" cap="flat" cmpd="sng" algn="ctr">
+                      <a:solidFill>
+                        <a:schemeClr val="tx1"/>
+                      </a:solidFill>
+                      <a:prstDash val="solid"/>
+                      <a:round/>
+                      <a:headEnd type="none" w="med" len="med"/>
+                      <a:tailEnd type="none" w="med" len="med"/>
+                    </a:lnL>
+                    <a:lnR w="12700" cap="flat" cmpd="sng" algn="ctr">
+                      <a:solidFill>
+                        <a:schemeClr val="tx1"/>
+                      </a:solidFill>
+                      <a:prstDash val="solid"/>
+                      <a:round/>
+                      <a:headEnd type="none" w="med" len="med"/>
+                      <a:tailEnd type="none" w="med" len="med"/>
+                    </a:lnR>
+                    <a:lnT w="12700" cap="flat" cmpd="sng" algn="ctr">
+                      <a:solidFill>
+                        <a:schemeClr val="tx1"/>
+                      </a:solidFill>
+                      <a:prstDash val="solid"/>
+                      <a:round/>
+                      <a:headEnd type="none" w="med" len="med"/>
+                      <a:tailEnd type="none" w="med" len="med"/>
+                    </a:lnT>
+                    <a:lnB w="12700" cap="flat" cmpd="sng" algn="ctr">
+                      <a:solidFill>
+                        <a:schemeClr val="tx1"/>
+                      </a:solidFill>
+                      <a:prstDash val="solid"/>
+                      <a:round/>
+                      <a:headEnd type="none" w="med" len="med"/>
+                      <a:tailEnd type="none" w="med" len="med"/>
+                    </a:lnB>
+                    <a:lnTlToBr w="12700" cmpd="sng">
+                      <a:noFill/>
+                      <a:prstDash val="solid"/>
+                    </a:lnTlToBr>
+                    <a:lnBlToTr w="12700" cmpd="sng">
+                      <a:noFill/>
+                      <a:prstDash val="solid"/>
+                    </a:lnBlToTr>
+                    <a:noFill/>
+                  </a:tcPr>
+                </a:tc>
+                <a:tc>
+                  <a:txBody>
+                    <a:bodyPr/>
+                    <a:lstStyle/>
+                    <a:p>
+                      <a:r>
+                        <a:rPr lang="en-US" dirty="0">
+                          <a:solidFill>
+                            <a:sysClr val="windowText" lastClr="000000"/>
+                          </a:solidFill>
+                        </a:rPr>
+                        <a:t>Visualize range through line and mean through point geometry</a:t>
+                      </a:r>
+                    </a:p>
+                  </a:txBody>
+                  <a:tcPr>
+                    <a:lnL w="12700" cap="flat" cmpd="sng" algn="ctr">
+                      <a:solidFill>
+                        <a:schemeClr val="tx1"/>
+                      </a:solidFill>
+                      <a:prstDash val="solid"/>
+                      <a:round/>
+                      <a:headEnd type="none" w="med" len="med"/>
+                      <a:tailEnd type="none" w="med" len="med"/>
+                    </a:lnL>
+                    <a:lnR w="12700" cap="flat" cmpd="sng" algn="ctr">
+                      <a:solidFill>
+                        <a:schemeClr val="tx1"/>
+                      </a:solidFill>
+                      <a:prstDash val="solid"/>
+                      <a:round/>
+                      <a:headEnd type="none" w="med" len="med"/>
+                      <a:tailEnd type="none" w="med" len="med"/>
+                    </a:lnR>
+                    <a:lnT w="12700" cap="flat" cmpd="sng" algn="ctr">
+                      <a:solidFill>
+                        <a:schemeClr val="tx1"/>
+                      </a:solidFill>
+                      <a:prstDash val="solid"/>
+                      <a:round/>
+                      <a:headEnd type="none" w="med" len="med"/>
+                      <a:tailEnd type="none" w="med" len="med"/>
+                    </a:lnT>
+                    <a:lnB w="12700" cap="flat" cmpd="sng" algn="ctr">
+                      <a:solidFill>
+                        <a:schemeClr val="tx1"/>
+                      </a:solidFill>
+                      <a:prstDash val="solid"/>
+                      <a:round/>
+                      <a:headEnd type="none" w="med" len="med"/>
+                      <a:tailEnd type="none" w="med" len="med"/>
+                    </a:lnB>
+                    <a:lnTlToBr w="12700" cmpd="sng">
+                      <a:noFill/>
+                      <a:prstDash val="solid"/>
+                    </a:lnTlToBr>
+                    <a:lnBlToTr w="12700" cmpd="sng">
+                      <a:noFill/>
+                      <a:prstDash val="solid"/>
+                    </a:lnBlToTr>
+                    <a:noFill/>
+                  </a:tcPr>
+                </a:tc>
+                <a:extLst>
+                  <a:ext uri="{0D108BD9-81ED-4DB2-BD59-A6C34878D82A}">
+                    <a16:rowId xmlns:a16="http://schemas.microsoft.com/office/drawing/2014/main" val="440240705"/>
+                  </a:ext>
+                </a:extLst>
+              </a:tr>
+            </a:tbl>
+          </a:graphicData>
+        </a:graphic>
+      </p:graphicFrame>
+    </p:spTree>
+    <p:extLst>
+      <p:ext uri="{BB962C8B-B14F-4D97-AF65-F5344CB8AC3E}">
+        <p14:creationId xmlns:p14="http://schemas.microsoft.com/office/powerpoint/2010/main" val="1525801790"/>
+      </p:ext>
+    </p:extLst>
+  </p:cSld>
+  <p:clrMapOvr>
+    <a:masterClrMapping/>
+  </p:clrMapOvr>
+</p:sld>
+</file>
+
 <file path=ppt/theme/theme1.xml><?xml version="1.0" encoding="utf-8"?>
 <a:theme xmlns:a="http://schemas.openxmlformats.org/drawingml/2006/main" name="Office Theme">
   <a:themeElements>
